--- a/translations/en-us/RobotGame/FindingLines.pptx
+++ b/translations/en-us/RobotGame/FindingLines.pptx
@@ -223,7 +223,7 @@
           <a:p>
             <a:fld id="{E354B44E-40A3-0E46-B16A-9BF1250A248B}" type="datetimeFigureOut">
               <a:rPr lang="en-US" smtClean="0"/>
-              <a:t>10/28/22</a:t>
+              <a:t>5/29/23</a:t>
             </a:fld>
             <a:endParaRPr lang="en-US"/>
           </a:p>
@@ -389,7 +389,7 @@
           <a:p>
             <a:fld id="{C86AD16C-2DB4-6642-BAD4-9ED973A087A0}" type="datetimeFigureOut">
               <a:rPr lang="en-US" smtClean="0"/>
-              <a:t>10/28/22</a:t>
+              <a:t>5/29/23</a:t>
             </a:fld>
             <a:endParaRPr lang="en-US"/>
           </a:p>
@@ -1016,9 +1016,9 @@
           <a:bodyPr/>
           <a:lstStyle/>
           <a:p>
-            <a:fld id="{F526C2FC-AD92-474F-B33C-C3DB932C78C5}" type="datetime1">
+            <a:fld id="{7F9127E6-E989-4142-9D70-7E4095CC00AB}" type="datetime1">
               <a:rPr lang="en-US" smtClean="0"/>
-              <a:t>10/28/22</a:t>
+              <a:t>5/29/23</a:t>
             </a:fld>
             <a:endParaRPr lang="en-US"/>
           </a:p>
@@ -1041,7 +1041,7 @@
           <a:p>
             <a:r>
               <a:rPr lang="en-US"/>
-              <a:t>© 2022, FLL Tutorials</a:t>
+              <a:t>© 2023, FLLTutorials.com, Last edit 5/29/2023</a:t>
             </a:r>
           </a:p>
         </p:txBody>
@@ -1612,9 +1612,9 @@
           <a:bodyPr/>
           <a:lstStyle/>
           <a:p>
-            <a:fld id="{1F5A01B5-9398-5544-AC36-163D1A865815}" type="datetime1">
+            <a:fld id="{4EB39605-EEA8-6644-8CDE-E4C770337F8F}" type="datetime1">
               <a:rPr lang="en-US" smtClean="0"/>
-              <a:t>10/28/22</a:t>
+              <a:t>5/29/23</a:t>
             </a:fld>
             <a:endParaRPr lang="en-US"/>
           </a:p>
@@ -1637,7 +1637,7 @@
           <a:p>
             <a:r>
               <a:rPr lang="en-US"/>
-              <a:t>© 2022, FLL Tutorials</a:t>
+              <a:t>© 2023, FLLTutorials.com, Last edit 5/29/2023</a:t>
             </a:r>
           </a:p>
         </p:txBody>
@@ -1793,9 +1793,9 @@
           <a:bodyPr/>
           <a:lstStyle/>
           <a:p>
-            <a:fld id="{5D91CA33-578E-3B49-9A11-EEEC82121345}" type="datetime1">
+            <a:fld id="{D570AD58-618C-794C-BA03-BA7A5D89AF67}" type="datetime1">
               <a:rPr lang="en-US" smtClean="0"/>
-              <a:t>10/28/22</a:t>
+              <a:t>5/29/23</a:t>
             </a:fld>
             <a:endParaRPr lang="en-US"/>
           </a:p>
@@ -1818,7 +1818,7 @@
           <a:p>
             <a:r>
               <a:rPr lang="en-US"/>
-              <a:t>© 2022, FLL Tutorials</a:t>
+              <a:t>© 2023, FLLTutorials.com, Last edit 5/29/2023</a:t>
             </a:r>
           </a:p>
         </p:txBody>
@@ -2009,9 +2009,9 @@
           <a:bodyPr/>
           <a:lstStyle/>
           <a:p>
-            <a:fld id="{4E96A52A-3C78-484A-A275-24E5070EC0BE}" type="datetime1">
+            <a:fld id="{19C368EA-5E00-384F-9F63-721FB43A85BB}" type="datetime1">
               <a:rPr lang="en-US" smtClean="0"/>
-              <a:t>10/28/22</a:t>
+              <a:t>5/29/23</a:t>
             </a:fld>
             <a:endParaRPr lang="en-US"/>
           </a:p>
@@ -2039,7 +2039,7 @@
           <a:p>
             <a:r>
               <a:rPr lang="en-US"/>
-              <a:t>© 2022, FLL Tutorials</a:t>
+              <a:t>© 2023, FLLTutorials.com, Last edit 5/29/2023</a:t>
             </a:r>
           </a:p>
         </p:txBody>
@@ -2853,9 +2853,9 @@
           <a:bodyPr/>
           <a:lstStyle/>
           <a:p>
-            <a:fld id="{8BAE1B4F-1520-A743-9719-D5CC75BDC79B}" type="datetime1">
+            <a:fld id="{C3F4019A-5AEE-CA45-B548-39805E3BE372}" type="datetime1">
               <a:rPr lang="en-US" smtClean="0"/>
-              <a:t>10/28/22</a:t>
+              <a:t>5/29/23</a:t>
             </a:fld>
             <a:endParaRPr lang="en-US"/>
           </a:p>
@@ -2878,7 +2878,7 @@
           <a:p>
             <a:r>
               <a:rPr lang="en-US"/>
-              <a:t>© 2022, FLL Tutorials</a:t>
+              <a:t>© 2023, FLLTutorials.com, Last edit 5/29/2023</a:t>
             </a:r>
           </a:p>
         </p:txBody>
@@ -3118,9 +3118,9 @@
           <a:bodyPr/>
           <a:lstStyle/>
           <a:p>
-            <a:fld id="{D29CAC56-467D-BD45-9DB9-C21A958242D4}" type="datetime1">
+            <a:fld id="{E723C732-B63A-8A47-9E1F-A70DE4098E6C}" type="datetime1">
               <a:rPr lang="en-US" smtClean="0"/>
-              <a:t>10/28/22</a:t>
+              <a:t>5/29/23</a:t>
             </a:fld>
             <a:endParaRPr lang="en-US"/>
           </a:p>
@@ -3174,7 +3174,7 @@
           <a:p>
             <a:r>
               <a:rPr lang="en-US"/>
-              <a:t>© 2022, FLL Tutorials</a:t>
+              <a:t>© 2023, FLLTutorials.com, Last edit 5/29/2023</a:t>
             </a:r>
           </a:p>
         </p:txBody>
@@ -3421,9 +3421,9 @@
           <a:bodyPr/>
           <a:lstStyle/>
           <a:p>
-            <a:fld id="{807A75FD-C707-7942-8AF0-72790CBA7219}" type="datetime1">
+            <a:fld id="{3874C36A-BB7B-6E49-8DF9-074B3711CB42}" type="datetime1">
               <a:rPr lang="en-US" smtClean="0"/>
-              <a:t>10/28/22</a:t>
+              <a:t>5/29/23</a:t>
             </a:fld>
             <a:endParaRPr lang="en-US"/>
           </a:p>
@@ -3446,7 +3446,7 @@
           <a:p>
             <a:r>
               <a:rPr lang="en-US"/>
-              <a:t>© 2022, FLL Tutorials</a:t>
+              <a:t>© 2023, FLLTutorials.com, Last edit 5/29/2023</a:t>
             </a:r>
           </a:p>
         </p:txBody>
@@ -3875,9 +3875,9 @@
           <a:bodyPr/>
           <a:lstStyle/>
           <a:p>
-            <a:fld id="{02593994-B15D-EB40-B2DE-B6CE59119A91}" type="datetime1">
+            <a:fld id="{1086CA96-E823-5C43-A5BF-E6788A7971C9}" type="datetime1">
               <a:rPr lang="en-US" smtClean="0"/>
-              <a:t>10/28/22</a:t>
+              <a:t>5/29/23</a:t>
             </a:fld>
             <a:endParaRPr lang="en-US"/>
           </a:p>
@@ -3900,7 +3900,7 @@
           <a:p>
             <a:r>
               <a:rPr lang="en-US"/>
-              <a:t>© 2022, FLL Tutorials</a:t>
+              <a:t>© 2023, FLLTutorials.com, Last edit 5/29/2023</a:t>
             </a:r>
           </a:p>
         </p:txBody>
@@ -4003,9 +4003,9 @@
           <a:bodyPr/>
           <a:lstStyle/>
           <a:p>
-            <a:fld id="{1887C9F4-8709-0041-8373-C087569FD314}" type="datetime1">
+            <a:fld id="{16E0A063-3257-3749-B40B-EE7DA5B1F92C}" type="datetime1">
               <a:rPr lang="en-US" smtClean="0"/>
-              <a:t>10/28/22</a:t>
+              <a:t>5/29/23</a:t>
             </a:fld>
             <a:endParaRPr lang="en-US"/>
           </a:p>
@@ -4028,7 +4028,7 @@
           <a:p>
             <a:r>
               <a:rPr lang="en-US"/>
-              <a:t>© 2022, FLL Tutorials</a:t>
+              <a:t>© 2023, FLLTutorials.com, Last edit 5/29/2023</a:t>
             </a:r>
           </a:p>
         </p:txBody>
@@ -4109,9 +4109,9 @@
           <a:bodyPr/>
           <a:lstStyle/>
           <a:p>
-            <a:fld id="{5E406D2A-2A5E-9B4C-8FB1-D6F52D4667D2}" type="datetime1">
+            <a:fld id="{6DE2A4D4-3CEB-734B-A07E-47E03ABBC4FA}" type="datetime1">
               <a:rPr lang="en-US" smtClean="0"/>
-              <a:t>10/28/22</a:t>
+              <a:t>5/29/23</a:t>
             </a:fld>
             <a:endParaRPr lang="en-US"/>
           </a:p>
@@ -4134,7 +4134,7 @@
           <a:p>
             <a:r>
               <a:rPr lang="en-US"/>
-              <a:t>© 2022, FLL Tutorials</a:t>
+              <a:t>© 2023, FLLTutorials.com, Last edit 5/29/2023</a:t>
             </a:r>
           </a:p>
         </p:txBody>
@@ -4367,9 +4367,9 @@
           <a:bodyPr/>
           <a:lstStyle/>
           <a:p>
-            <a:fld id="{581BA09C-995A-8748-A140-1A927CB4C5E7}" type="datetime1">
+            <a:fld id="{58F4C337-4668-E742-84E6-2F1E10C4C8A8}" type="datetime1">
               <a:rPr lang="en-US" smtClean="0"/>
-              <a:t>10/28/22</a:t>
+              <a:t>5/29/23</a:t>
             </a:fld>
             <a:endParaRPr lang="en-US"/>
           </a:p>
@@ -4392,7 +4392,7 @@
           <a:p>
             <a:r>
               <a:rPr lang="en-US"/>
-              <a:t>© 2022, FLL Tutorials</a:t>
+              <a:t>© 2023, FLLTutorials.com, Last edit 5/29/2023</a:t>
             </a:r>
           </a:p>
         </p:txBody>
@@ -4579,9 +4579,9 @@
           <a:bodyPr/>
           <a:lstStyle/>
           <a:p>
-            <a:fld id="{DA502833-1002-F246-A67B-A5457BB627B0}" type="datetime1">
+            <a:fld id="{6A21A39A-9418-4648-A94F-E689238F971B}" type="datetime1">
               <a:rPr lang="en-US" smtClean="0"/>
-              <a:t>10/28/22</a:t>
+              <a:t>5/29/23</a:t>
             </a:fld>
             <a:endParaRPr lang="en-US"/>
           </a:p>
@@ -4604,7 +4604,7 @@
           <a:p>
             <a:r>
               <a:rPr lang="en-US"/>
-              <a:t>© 2022, FLL Tutorials</a:t>
+              <a:t>© 2023, FLLTutorials.com, Last edit 5/29/2023</a:t>
             </a:r>
           </a:p>
         </p:txBody>
@@ -4862,9 +4862,9 @@
           <a:bodyPr/>
           <a:lstStyle/>
           <a:p>
-            <a:fld id="{679FFA4F-4B1A-D040-B0D4-82D968C42EA9}" type="datetime1">
+            <a:fld id="{CEF7801D-190F-8E4C-824D-211AEEAEE397}" type="datetime1">
               <a:rPr lang="en-US" smtClean="0"/>
-              <a:t>10/28/22</a:t>
+              <a:t>5/29/23</a:t>
             </a:fld>
             <a:endParaRPr lang="en-US"/>
           </a:p>
@@ -4887,7 +4887,7 @@
           <a:p>
             <a:r>
               <a:rPr lang="en-US"/>
-              <a:t>© 2022, FLL Tutorials</a:t>
+              <a:t>© 2023, FLLTutorials.com, Last edit 5/29/2023</a:t>
             </a:r>
           </a:p>
         </p:txBody>
@@ -5129,9 +5129,9 @@
           <a:bodyPr/>
           <a:lstStyle/>
           <a:p>
-            <a:fld id="{C40C1D9B-1682-9C48-B069-E36FA0F6A1AF}" type="datetime1">
+            <a:fld id="{E1BC09B2-A69D-AD4B-ABA9-7A3F76BBD6FD}" type="datetime1">
               <a:rPr lang="en-US" smtClean="0"/>
-              <a:t>10/28/22</a:t>
+              <a:t>5/29/23</a:t>
             </a:fld>
             <a:endParaRPr lang="en-US"/>
           </a:p>
@@ -5154,7 +5154,7 @@
           <a:p>
             <a:r>
               <a:rPr lang="en-US"/>
-              <a:t>© 2022, FLL Tutorials</a:t>
+              <a:t>© 2023, FLLTutorials.com, Last edit 5/29/2023</a:t>
             </a:r>
           </a:p>
         </p:txBody>
@@ -5318,9 +5318,9 @@
           <a:bodyPr/>
           <a:lstStyle/>
           <a:p>
-            <a:fld id="{D1ADDB82-DA80-8F47-8454-C2E691001414}" type="datetime1">
+            <a:fld id="{FC894845-5A1F-5948-9FC3-C1F4C478C1DE}" type="datetime1">
               <a:rPr lang="en-US" smtClean="0"/>
-              <a:t>10/28/22</a:t>
+              <a:t>5/29/23</a:t>
             </a:fld>
             <a:endParaRPr lang="en-US"/>
           </a:p>
@@ -5343,7 +5343,7 @@
           <a:p>
             <a:r>
               <a:rPr lang="en-US"/>
-              <a:t>© 2022, FLL Tutorials</a:t>
+              <a:t>© 2023, FLLTutorials.com, Last edit 5/29/2023</a:t>
             </a:r>
           </a:p>
         </p:txBody>
@@ -5519,9 +5519,9 @@
           <a:bodyPr/>
           <a:lstStyle/>
           <a:p>
-            <a:fld id="{E6EAB974-4A0E-A84A-A9EF-D63FABAED86C}" type="datetime1">
+            <a:fld id="{B99D6ACD-422A-8245-8F1D-3E0302566724}" type="datetime1">
               <a:rPr lang="en-US" smtClean="0"/>
-              <a:t>10/28/22</a:t>
+              <a:t>5/29/23</a:t>
             </a:fld>
             <a:endParaRPr lang="en-US"/>
           </a:p>
@@ -5544,7 +5544,7 @@
           <a:p>
             <a:r>
               <a:rPr lang="en-US"/>
-              <a:t>© 2022, FLL Tutorials</a:t>
+              <a:t>© 2023, FLLTutorials.com, Last edit 5/29/2023</a:t>
             </a:r>
           </a:p>
         </p:txBody>
@@ -5690,9 +5690,9 @@
           <a:bodyPr/>
           <a:lstStyle/>
           <a:p>
-            <a:fld id="{174811A5-213E-E146-B22D-10751B002A60}" type="datetime1">
+            <a:fld id="{689E5114-AC11-0147-BCBA-93D61A7522AF}" type="datetime1">
               <a:rPr lang="en-US" smtClean="0"/>
-              <a:t>10/28/22</a:t>
+              <a:t>5/29/23</a:t>
             </a:fld>
             <a:endParaRPr lang="en-US"/>
           </a:p>
@@ -5715,7 +5715,7 @@
           <a:p>
             <a:r>
               <a:rPr lang="en-US"/>
-              <a:t>© 2022, FLL Tutorials</a:t>
+              <a:t>© 2023, FLLTutorials.com, Last edit 5/29/2023</a:t>
             </a:r>
           </a:p>
         </p:txBody>
@@ -5938,9 +5938,9 @@
           <a:bodyPr/>
           <a:lstStyle/>
           <a:p>
-            <a:fld id="{FFBBB1C5-EE1A-EC40-BB70-F74C37DE062A}" type="datetime1">
+            <a:fld id="{5E77B9E2-BFD1-2740-AE1A-C909D80CB821}" type="datetime1">
               <a:rPr lang="en-US" smtClean="0"/>
-              <a:t>10/28/22</a:t>
+              <a:t>5/29/23</a:t>
             </a:fld>
             <a:endParaRPr lang="en-US"/>
           </a:p>
@@ -5963,7 +5963,7 @@
           <a:p>
             <a:r>
               <a:rPr lang="en-US"/>
-              <a:t>© 2022, FLL Tutorials</a:t>
+              <a:t>© 2023, FLLTutorials.com, Last edit 5/29/2023</a:t>
             </a:r>
           </a:p>
         </p:txBody>
@@ -6170,9 +6170,9 @@
           <a:bodyPr/>
           <a:lstStyle/>
           <a:p>
-            <a:fld id="{64D92BDF-FB5A-4240-90AE-9D1DC1E525A8}" type="datetime1">
+            <a:fld id="{A4B6E136-1ED0-9046-8767-2317DA68EF5D}" type="datetime1">
               <a:rPr lang="en-US" smtClean="0"/>
-              <a:t>10/28/22</a:t>
+              <a:t>5/29/23</a:t>
             </a:fld>
             <a:endParaRPr lang="en-US"/>
           </a:p>
@@ -6195,7 +6195,7 @@
           <a:p>
             <a:r>
               <a:rPr lang="en-US"/>
-              <a:t>© 2022, FLL Tutorials</a:t>
+              <a:t>© 2023, FLLTutorials.com, Last edit 5/29/2023</a:t>
             </a:r>
           </a:p>
         </p:txBody>
@@ -6537,9 +6537,9 @@
           <a:bodyPr/>
           <a:lstStyle/>
           <a:p>
-            <a:fld id="{92048B41-867D-5843-A0F9-6FEC142DCCCB}" type="datetime1">
+            <a:fld id="{2B7E2F6C-CCC5-2040-A655-EBFFFCA35E74}" type="datetime1">
               <a:rPr lang="en-US" smtClean="0"/>
-              <a:t>10/28/22</a:t>
+              <a:t>5/29/23</a:t>
             </a:fld>
             <a:endParaRPr lang="en-US"/>
           </a:p>
@@ -6562,7 +6562,7 @@
           <a:p>
             <a:r>
               <a:rPr lang="en-US"/>
-              <a:t>© 2022, FLL Tutorials</a:t>
+              <a:t>© 2023, FLLTutorials.com, Last edit 5/29/2023</a:t>
             </a:r>
           </a:p>
         </p:txBody>
@@ -6657,9 +6657,9 @@
           <a:bodyPr/>
           <a:lstStyle/>
           <a:p>
-            <a:fld id="{A5718630-CD52-C34C-A8AA-746190871B74}" type="datetime1">
+            <a:fld id="{7AB56B61-3529-4847-9CC8-AB060B885A8D}" type="datetime1">
               <a:rPr lang="en-US" smtClean="0"/>
-              <a:t>10/28/22</a:t>
+              <a:t>5/29/23</a:t>
             </a:fld>
             <a:endParaRPr lang="en-US"/>
           </a:p>
@@ -6682,7 +6682,7 @@
           <a:p>
             <a:r>
               <a:rPr lang="en-US"/>
-              <a:t>© 2022, FLL Tutorials</a:t>
+              <a:t>© 2023, FLLTutorials.com, Last edit 5/29/2023</a:t>
             </a:r>
           </a:p>
         </p:txBody>
@@ -6755,9 +6755,9 @@
           <a:bodyPr/>
           <a:lstStyle/>
           <a:p>
-            <a:fld id="{63AB16A7-73A6-8249-9EED-8194825F3E98}" type="datetime1">
+            <a:fld id="{AAF6A5C2-BEDB-8A4E-AA8E-C19CCBF81FF9}" type="datetime1">
               <a:rPr lang="en-US" smtClean="0"/>
-              <a:t>10/28/22</a:t>
+              <a:t>5/29/23</a:t>
             </a:fld>
             <a:endParaRPr lang="en-US"/>
           </a:p>
@@ -6780,7 +6780,7 @@
           <a:p>
             <a:r>
               <a:rPr lang="en-US"/>
-              <a:t>© 2022, FLL Tutorials</a:t>
+              <a:t>© 2023, FLLTutorials.com, Last edit 5/29/2023</a:t>
             </a:r>
           </a:p>
         </p:txBody>
@@ -7012,9 +7012,9 @@
           <a:bodyPr/>
           <a:lstStyle/>
           <a:p>
-            <a:fld id="{E4A7C2CB-AB28-4246-A45F-232AE26C46BA}" type="datetime1">
+            <a:fld id="{FED33635-2054-8148-BCE6-14D1ECAFF21F}" type="datetime1">
               <a:rPr lang="en-US" smtClean="0"/>
-              <a:t>10/28/22</a:t>
+              <a:t>5/29/23</a:t>
             </a:fld>
             <a:endParaRPr lang="en-US"/>
           </a:p>
@@ -7060,7 +7060,7 @@
           <a:p>
             <a:r>
               <a:rPr lang="en-US"/>
-              <a:t>© 2022, FLL Tutorials</a:t>
+              <a:t>© 2023, FLLTutorials.com, Last edit 5/29/2023</a:t>
             </a:r>
           </a:p>
         </p:txBody>
@@ -7290,9 +7290,9 @@
           <a:bodyPr/>
           <a:lstStyle/>
           <a:p>
-            <a:fld id="{D6265EA7-7D88-2043-AA1B-F110D9843372}" type="datetime1">
+            <a:fld id="{50CF88BC-1040-D942-B149-0017740686A5}" type="datetime1">
               <a:rPr lang="en-US" smtClean="0"/>
-              <a:t>10/28/22</a:t>
+              <a:t>5/29/23</a:t>
             </a:fld>
             <a:endParaRPr lang="en-US"/>
           </a:p>
@@ -7315,7 +7315,7 @@
           <a:p>
             <a:r>
               <a:rPr lang="en-US"/>
-              <a:t>© 2022, FLL Tutorials</a:t>
+              <a:t>© 2023, FLLTutorials.com, Last edit 5/29/2023</a:t>
             </a:r>
           </a:p>
         </p:txBody>
@@ -7548,9 +7548,9 @@
           <a:bodyPr/>
           <a:lstStyle/>
           <a:p>
-            <a:fld id="{6A507CBD-91A1-6F47-95B7-F7BCDF78F8A8}" type="datetime1">
+            <a:fld id="{ECCE2A0A-D68D-F546-84FF-B61C1B0A9B04}" type="datetime1">
               <a:rPr lang="en-US" smtClean="0"/>
-              <a:t>10/28/22</a:t>
+              <a:t>5/29/23</a:t>
             </a:fld>
             <a:endParaRPr lang="en-US"/>
           </a:p>
@@ -7573,7 +7573,7 @@
           <a:p>
             <a:r>
               <a:rPr lang="en-US"/>
-              <a:t>© 2022, FLL Tutorials</a:t>
+              <a:t>© 2023, FLLTutorials.com, Last edit 5/29/2023</a:t>
             </a:r>
           </a:p>
         </p:txBody>
@@ -7719,9 +7719,9 @@
           <a:bodyPr/>
           <a:lstStyle/>
           <a:p>
-            <a:fld id="{9E3F7405-5722-D645-BBC2-58CC90BBD462}" type="datetime1">
+            <a:fld id="{049C27AE-6E9F-3E4E-9C2C-9E916C8F7BA2}" type="datetime1">
               <a:rPr lang="en-US" smtClean="0"/>
-              <a:t>10/28/22</a:t>
+              <a:t>5/29/23</a:t>
             </a:fld>
             <a:endParaRPr lang="en-US"/>
           </a:p>
@@ -7744,7 +7744,7 @@
           <a:p>
             <a:r>
               <a:rPr lang="en-US"/>
-              <a:t>© 2022, FLL Tutorials</a:t>
+              <a:t>© 2023, FLLTutorials.com, Last edit 5/29/2023</a:t>
             </a:r>
           </a:p>
         </p:txBody>
@@ -7900,9 +7900,9 @@
           <a:bodyPr/>
           <a:lstStyle/>
           <a:p>
-            <a:fld id="{47ED57F8-F1DD-8346-94BC-AE1ECD1C7377}" type="datetime1">
+            <a:fld id="{56F06E64-3E10-3F42-A2EC-8B6524C2D362}" type="datetime1">
               <a:rPr lang="en-US" smtClean="0"/>
-              <a:t>10/28/22</a:t>
+              <a:t>5/29/23</a:t>
             </a:fld>
             <a:endParaRPr lang="en-US"/>
           </a:p>
@@ -7925,7 +7925,7 @@
           <a:p>
             <a:r>
               <a:rPr lang="en-US"/>
-              <a:t>© 2022, FLL Tutorials</a:t>
+              <a:t>© 2023, FLLTutorials.com, Last edit 5/29/2023</a:t>
             </a:r>
           </a:p>
         </p:txBody>
@@ -8157,9 +8157,9 @@
           <a:bodyPr/>
           <a:lstStyle/>
           <a:p>
-            <a:fld id="{136FAE18-A826-8141-BBF0-B2F69BD76856}" type="datetime1">
+            <a:fld id="{CD55F740-9627-E441-8F96-5AF1A55B15C4}" type="datetime1">
               <a:rPr lang="en-US" smtClean="0"/>
-              <a:t>10/28/22</a:t>
+              <a:t>5/29/23</a:t>
             </a:fld>
             <a:endParaRPr lang="en-US"/>
           </a:p>
@@ -8182,7 +8182,7 @@
           <a:p>
             <a:r>
               <a:rPr lang="en-US"/>
-              <a:t>© 2022, FLL Tutorials</a:t>
+              <a:t>© 2023, FLLTutorials.com, Last edit 5/29/2023</a:t>
             </a:r>
           </a:p>
         </p:txBody>
@@ -9181,9 +9181,9 @@
           <a:bodyPr/>
           <a:lstStyle/>
           <a:p>
-            <a:fld id="{C2C24E59-FA3A-3943-BFA6-4400ADF7A05D}" type="datetime1">
+            <a:fld id="{4FD6CCC9-45D8-3F4F-9E2B-88A3C08573A2}" type="datetime1">
               <a:rPr lang="en-US" smtClean="0"/>
-              <a:t>10/28/22</a:t>
+              <a:t>5/29/23</a:t>
             </a:fld>
             <a:endParaRPr lang="en-US"/>
           </a:p>
@@ -9206,7 +9206,7 @@
           <a:p>
             <a:r>
               <a:rPr lang="en-US"/>
-              <a:t>© 2022, FLL Tutorials</a:t>
+              <a:t>© 2023, FLLTutorials.com, Last edit 5/29/2023</a:t>
             </a:r>
           </a:p>
         </p:txBody>
@@ -9443,9 +9443,9 @@
           <a:bodyPr/>
           <a:lstStyle/>
           <a:p>
-            <a:fld id="{3FD8DD23-2DB3-3F44-9259-25829825FC36}" type="datetime1">
+            <a:fld id="{695A8692-2B02-9342-B670-AF5CD39F7274}" type="datetime1">
               <a:rPr lang="en-US" smtClean="0"/>
-              <a:t>10/28/22</a:t>
+              <a:t>5/29/23</a:t>
             </a:fld>
             <a:endParaRPr lang="en-US"/>
           </a:p>
@@ -9491,7 +9491,7 @@
           <a:p>
             <a:r>
               <a:rPr lang="en-US"/>
-              <a:t>© 2022, FLL Tutorials</a:t>
+              <a:t>© 2023, FLLTutorials.com, Last edit 5/29/2023</a:t>
             </a:r>
           </a:p>
         </p:txBody>
@@ -9738,9 +9738,9 @@
           <a:bodyPr/>
           <a:lstStyle/>
           <a:p>
-            <a:fld id="{F2546796-9448-3149-B9BC-55D46F6314DF}" type="datetime1">
+            <a:fld id="{3295699B-CC28-A14D-BD11-3FDB32880DAD}" type="datetime1">
               <a:rPr lang="en-US" smtClean="0"/>
-              <a:t>10/28/22</a:t>
+              <a:t>5/29/23</a:t>
             </a:fld>
             <a:endParaRPr lang="en-US"/>
           </a:p>
@@ -9763,7 +9763,7 @@
           <a:p>
             <a:r>
               <a:rPr lang="en-US"/>
-              <a:t>© 2022, FLL Tutorials</a:t>
+              <a:t>© 2023, FLLTutorials.com, Last edit 5/29/2023</a:t>
             </a:r>
           </a:p>
         </p:txBody>
@@ -10184,9 +10184,9 @@
           <a:bodyPr/>
           <a:lstStyle/>
           <a:p>
-            <a:fld id="{83F386AB-83E2-3144-815F-8FE1A14DCEC0}" type="datetime1">
+            <a:fld id="{EC1A3A84-1875-D148-9258-45FD0033DA0D}" type="datetime1">
               <a:rPr lang="en-US" smtClean="0"/>
-              <a:t>10/28/22</a:t>
+              <a:t>5/29/23</a:t>
             </a:fld>
             <a:endParaRPr lang="en-US"/>
           </a:p>
@@ -10209,7 +10209,7 @@
           <a:p>
             <a:r>
               <a:rPr lang="en-US"/>
-              <a:t>© 2022, FLL Tutorials</a:t>
+              <a:t>© 2023, FLLTutorials.com, Last edit 5/29/2023</a:t>
             </a:r>
           </a:p>
         </p:txBody>
@@ -10304,9 +10304,9 @@
           <a:bodyPr/>
           <a:lstStyle/>
           <a:p>
-            <a:fld id="{5303C366-B465-CB45-9759-CE6366312849}" type="datetime1">
+            <a:fld id="{7352C155-13B2-5143-A6B9-54C44DB00C55}" type="datetime1">
               <a:rPr lang="en-US" smtClean="0"/>
-              <a:t>10/28/22</a:t>
+              <a:t>5/29/23</a:t>
             </a:fld>
             <a:endParaRPr lang="en-US"/>
           </a:p>
@@ -10329,7 +10329,7 @@
           <a:p>
             <a:r>
               <a:rPr lang="en-US"/>
-              <a:t>© 2022, FLL Tutorials</a:t>
+              <a:t>© 2023, FLLTutorials.com, Last edit 5/29/2023</a:t>
             </a:r>
           </a:p>
         </p:txBody>
@@ -10598,9 +10598,9 @@
           <a:bodyPr/>
           <a:lstStyle/>
           <a:p>
-            <a:fld id="{FA16658B-B1AB-5A4B-B8E4-7B819FF3CE81}" type="datetime1">
+            <a:fld id="{AC7AF989-24C5-6A4E-85D4-3AA6EF0D86C8}" type="datetime1">
               <a:rPr lang="en-US" smtClean="0"/>
-              <a:t>10/28/22</a:t>
+              <a:t>5/29/23</a:t>
             </a:fld>
             <a:endParaRPr lang="en-US"/>
           </a:p>
@@ -10623,7 +10623,7 @@
           <a:p>
             <a:r>
               <a:rPr lang="en-US"/>
-              <a:t>© 2022, FLL Tutorials</a:t>
+              <a:t>© 2023, FLLTutorials.com, Last edit 5/29/2023</a:t>
             </a:r>
           </a:p>
         </p:txBody>
@@ -10696,9 +10696,9 @@
           <a:bodyPr/>
           <a:lstStyle/>
           <a:p>
-            <a:fld id="{85C11570-D0BD-454F-AD22-995D479C380E}" type="datetime1">
+            <a:fld id="{1E1CC5C8-E915-9140-8EF7-9837706ED05F}" type="datetime1">
               <a:rPr lang="en-US" smtClean="0"/>
-              <a:t>10/28/22</a:t>
+              <a:t>5/29/23</a:t>
             </a:fld>
             <a:endParaRPr lang="en-US"/>
           </a:p>
@@ -10721,7 +10721,7 @@
           <a:p>
             <a:r>
               <a:rPr lang="en-US"/>
-              <a:t>© 2022, FLL Tutorials</a:t>
+              <a:t>© 2023, FLLTutorials.com, Last edit 5/29/2023</a:t>
             </a:r>
           </a:p>
         </p:txBody>
@@ -10946,9 +10946,9 @@
           <a:bodyPr/>
           <a:lstStyle/>
           <a:p>
-            <a:fld id="{384B4D5C-BCCF-EE4D-9C91-72D3F6BFA124}" type="datetime1">
+            <a:fld id="{362E4C15-25EE-B04A-8EDB-F90FF4B6BFEE}" type="datetime1">
               <a:rPr lang="en-US" smtClean="0"/>
-              <a:t>10/28/22</a:t>
+              <a:t>5/29/23</a:t>
             </a:fld>
             <a:endParaRPr lang="en-US"/>
           </a:p>
@@ -10971,7 +10971,7 @@
           <a:p>
             <a:r>
               <a:rPr lang="en-US"/>
-              <a:t>© 2022, FLL Tutorials</a:t>
+              <a:t>© 2023, FLLTutorials.com, Last edit 5/29/2023</a:t>
             </a:r>
           </a:p>
         </p:txBody>
@@ -11246,9 +11246,9 @@
           <a:bodyPr/>
           <a:lstStyle/>
           <a:p>
-            <a:fld id="{1D249C70-45B4-3542-AE78-7B3CCF36767E}" type="datetime1">
+            <a:fld id="{72C10394-89BC-A840-8A7F-5944434A11C3}" type="datetime1">
               <a:rPr lang="en-US" smtClean="0"/>
-              <a:t>10/28/22</a:t>
+              <a:t>5/29/23</a:t>
             </a:fld>
             <a:endParaRPr lang="en-US"/>
           </a:p>
@@ -11271,7 +11271,7 @@
           <a:p>
             <a:r>
               <a:rPr lang="en-US"/>
-              <a:t>© 2022, FLL Tutorials</a:t>
+              <a:t>© 2023, FLLTutorials.com, Last edit 5/29/2023</a:t>
             </a:r>
           </a:p>
         </p:txBody>
@@ -11505,9 +11505,9 @@
           <a:bodyPr/>
           <a:lstStyle/>
           <a:p>
-            <a:fld id="{12C313AE-8668-3448-84AD-A4D41595F25C}" type="datetime1">
+            <a:fld id="{D5030665-E064-5D48-B78A-73B07AC129FA}" type="datetime1">
               <a:rPr lang="en-US" smtClean="0"/>
-              <a:t>10/28/22</a:t>
+              <a:t>5/29/23</a:t>
             </a:fld>
             <a:endParaRPr lang="en-US"/>
           </a:p>
@@ -11530,7 +11530,7 @@
           <a:p>
             <a:r>
               <a:rPr lang="en-US"/>
-              <a:t>© 2022, FLL Tutorials</a:t>
+              <a:t>© 2023, FLLTutorials.com, Last edit 5/29/2023</a:t>
             </a:r>
           </a:p>
         </p:txBody>
@@ -11686,9 +11686,9 @@
           <a:bodyPr/>
           <a:lstStyle/>
           <a:p>
-            <a:fld id="{9E596F38-B07C-1F41-A0C0-5E805579B20E}" type="datetime1">
+            <a:fld id="{EC38C346-D5CD-A444-9F40-7EB5D41AF4D6}" type="datetime1">
               <a:rPr lang="en-US" smtClean="0"/>
-              <a:t>10/28/22</a:t>
+              <a:t>5/29/23</a:t>
             </a:fld>
             <a:endParaRPr lang="en-US"/>
           </a:p>
@@ -11711,7 +11711,7 @@
           <a:p>
             <a:r>
               <a:rPr lang="en-US"/>
-              <a:t>© 2022, FLL Tutorials</a:t>
+              <a:t>© 2023, FLLTutorials.com, Last edit 5/29/2023</a:t>
             </a:r>
           </a:p>
         </p:txBody>
@@ -11902,9 +11902,9 @@
           <a:bodyPr/>
           <a:lstStyle/>
           <a:p>
-            <a:fld id="{65C76230-F454-054D-B63F-D06B9718970A}" type="datetime1">
+            <a:fld id="{74757A13-BFFF-7542-BFED-17C82D8AF2A8}" type="datetime1">
               <a:rPr lang="en-US" smtClean="0"/>
-              <a:t>10/28/22</a:t>
+              <a:t>5/29/23</a:t>
             </a:fld>
             <a:endParaRPr lang="en-US"/>
           </a:p>
@@ -11932,7 +11932,7 @@
           <a:p>
             <a:r>
               <a:rPr lang="en-US"/>
-              <a:t>© 2022, FLL Tutorials</a:t>
+              <a:t>© 2023, FLLTutorials.com, Last edit 5/29/2023</a:t>
             </a:r>
           </a:p>
         </p:txBody>
@@ -13158,9 +13158,9 @@
           <a:bodyPr/>
           <a:lstStyle/>
           <a:p>
-            <a:fld id="{A138C88A-9BB2-234E-B51C-1A289B11C812}" type="datetime1">
+            <a:fld id="{63585391-1CA0-C946-9EAC-EE50D4F07870}" type="datetime1">
               <a:rPr lang="en-US" smtClean="0"/>
-              <a:t>10/28/22</a:t>
+              <a:t>5/29/23</a:t>
             </a:fld>
             <a:endParaRPr lang="en-US"/>
           </a:p>
@@ -13183,7 +13183,7 @@
           <a:p>
             <a:r>
               <a:rPr lang="en-US"/>
-              <a:t>© 2022, FLL Tutorials</a:t>
+              <a:t>© 2023, FLLTutorials.com, Last edit 5/29/2023</a:t>
             </a:r>
           </a:p>
         </p:txBody>
@@ -13423,9 +13423,9 @@
           <a:bodyPr/>
           <a:lstStyle/>
           <a:p>
-            <a:fld id="{5452DE6A-EEE2-074F-B9FC-054A334A706A}" type="datetime1">
+            <a:fld id="{840A1FE8-9E60-A34F-A73A-7918D71A91AF}" type="datetime1">
               <a:rPr lang="en-US" smtClean="0"/>
-              <a:t>10/28/22</a:t>
+              <a:t>5/29/23</a:t>
             </a:fld>
             <a:endParaRPr lang="en-US"/>
           </a:p>
@@ -13479,7 +13479,7 @@
           <a:p>
             <a:r>
               <a:rPr lang="en-US"/>
-              <a:t>© 2022, FLL Tutorials</a:t>
+              <a:t>© 2023, FLLTutorials.com, Last edit 5/29/2023</a:t>
             </a:r>
           </a:p>
         </p:txBody>
@@ -13726,9 +13726,9 @@
           <a:bodyPr/>
           <a:lstStyle/>
           <a:p>
-            <a:fld id="{9EA829FD-5FF1-2949-9A11-F6199E39EE3D}" type="datetime1">
+            <a:fld id="{D2980E02-EE89-6E4F-B8BC-A803525FCE36}" type="datetime1">
               <a:rPr lang="en-US" smtClean="0"/>
-              <a:t>10/28/22</a:t>
+              <a:t>5/29/23</a:t>
             </a:fld>
             <a:endParaRPr lang="en-US"/>
           </a:p>
@@ -13751,7 +13751,7 @@
           <a:p>
             <a:r>
               <a:rPr lang="en-US"/>
-              <a:t>© 2022, FLL Tutorials</a:t>
+              <a:t>© 2023, FLLTutorials.com, Last edit 5/29/2023</a:t>
             </a:r>
           </a:p>
         </p:txBody>
@@ -14180,9 +14180,9 @@
           <a:bodyPr/>
           <a:lstStyle/>
           <a:p>
-            <a:fld id="{CA3B417C-5F91-7242-9B8E-B086A93366E1}" type="datetime1">
+            <a:fld id="{B9D072E2-8145-1542-A4A6-4C731AA11C16}" type="datetime1">
               <a:rPr lang="en-US" smtClean="0"/>
-              <a:t>10/28/22</a:t>
+              <a:t>5/29/23</a:t>
             </a:fld>
             <a:endParaRPr lang="en-US"/>
           </a:p>
@@ -14205,7 +14205,7 @@
           <a:p>
             <a:r>
               <a:rPr lang="en-US"/>
-              <a:t>© 2022, FLL Tutorials</a:t>
+              <a:t>© 2023, FLLTutorials.com, Last edit 5/29/2023</a:t>
             </a:r>
           </a:p>
         </p:txBody>
@@ -14634,9 +14634,9 @@
           <a:bodyPr/>
           <a:lstStyle/>
           <a:p>
-            <a:fld id="{03F6542B-C4A2-EA44-BEFE-01A74F527DDE}" type="datetime1">
+            <a:fld id="{41617350-07B6-2144-8384-8833DD1B9A13}" type="datetime1">
               <a:rPr lang="en-US" smtClean="0"/>
-              <a:t>10/28/22</a:t>
+              <a:t>5/29/23</a:t>
             </a:fld>
             <a:endParaRPr lang="en-US"/>
           </a:p>
@@ -14659,7 +14659,7 @@
           <a:p>
             <a:r>
               <a:rPr lang="en-US"/>
-              <a:t>© 2022, FLL Tutorials</a:t>
+              <a:t>© 2023, FLLTutorials.com, Last edit 5/29/2023</a:t>
             </a:r>
           </a:p>
         </p:txBody>
@@ -14754,9 +14754,9 @@
           <a:bodyPr/>
           <a:lstStyle/>
           <a:p>
-            <a:fld id="{79AA67C6-1E2C-A146-B2E4-BD0BAB662C85}" type="datetime1">
+            <a:fld id="{9C38D38A-536C-E44E-9726-EBC093D54325}" type="datetime1">
               <a:rPr lang="en-US" smtClean="0"/>
-              <a:t>10/28/22</a:t>
+              <a:t>5/29/23</a:t>
             </a:fld>
             <a:endParaRPr lang="en-US"/>
           </a:p>
@@ -14779,7 +14779,7 @@
           <a:p>
             <a:r>
               <a:rPr lang="en-US"/>
-              <a:t>© 2022, FLL Tutorials</a:t>
+              <a:t>© 2023, FLLTutorials.com, Last edit 5/29/2023</a:t>
             </a:r>
           </a:p>
         </p:txBody>
@@ -14860,9 +14860,9 @@
           <a:bodyPr/>
           <a:lstStyle/>
           <a:p>
-            <a:fld id="{EEDE86A6-3F71-FF40-BA15-875A30F0B1BA}" type="datetime1">
+            <a:fld id="{9A3E7735-9565-EB45-A0DE-E7D38980E863}" type="datetime1">
               <a:rPr lang="en-US" smtClean="0"/>
-              <a:t>10/28/22</a:t>
+              <a:t>5/29/23</a:t>
             </a:fld>
             <a:endParaRPr lang="en-US"/>
           </a:p>
@@ -14885,7 +14885,7 @@
           <a:p>
             <a:r>
               <a:rPr lang="en-US"/>
-              <a:t>© 2022, FLL Tutorials</a:t>
+              <a:t>© 2023, FLLTutorials.com, Last edit 5/29/2023</a:t>
             </a:r>
           </a:p>
         </p:txBody>
@@ -15118,9 +15118,9 @@
           <a:bodyPr/>
           <a:lstStyle/>
           <a:p>
-            <a:fld id="{217A8624-C817-034B-B258-9BC72CF32C3C}" type="datetime1">
+            <a:fld id="{EFF2D812-ED5F-8E49-8966-3DF385454987}" type="datetime1">
               <a:rPr lang="en-US" smtClean="0"/>
-              <a:t>10/28/22</a:t>
+              <a:t>5/29/23</a:t>
             </a:fld>
             <a:endParaRPr lang="en-US"/>
           </a:p>
@@ -15143,7 +15143,7 @@
           <a:p>
             <a:r>
               <a:rPr lang="en-US"/>
-              <a:t>© 2022, FLL Tutorials</a:t>
+              <a:t>© 2023, FLLTutorials.com, Last edit 5/29/2023</a:t>
             </a:r>
           </a:p>
         </p:txBody>
@@ -15426,9 +15426,9 @@
           <a:bodyPr/>
           <a:lstStyle/>
           <a:p>
-            <a:fld id="{2BEC3965-B911-654D-9412-93CB781432DC}" type="datetime1">
+            <a:fld id="{34DA79A5-A505-C449-B953-9B025DC7689A}" type="datetime1">
               <a:rPr lang="en-US" smtClean="0"/>
-              <a:t>10/28/22</a:t>
+              <a:t>5/29/23</a:t>
             </a:fld>
             <a:endParaRPr lang="en-US"/>
           </a:p>
@@ -15451,7 +15451,7 @@
           <a:p>
             <a:r>
               <a:rPr lang="en-US"/>
-              <a:t>© 2022, FLL Tutorials</a:t>
+              <a:t>© 2023, FLLTutorials.com, Last edit 5/29/2023</a:t>
             </a:r>
           </a:p>
         </p:txBody>
@@ -15693,9 +15693,9 @@
           <a:bodyPr/>
           <a:lstStyle/>
           <a:p>
-            <a:fld id="{6C8F6CA7-52E5-5445-A605-0EC09D4C7844}" type="datetime1">
+            <a:fld id="{9E94BA18-3E9E-4A46-8BBF-8F03CD082961}" type="datetime1">
               <a:rPr lang="en-US" smtClean="0"/>
-              <a:t>10/28/22</a:t>
+              <a:t>5/29/23</a:t>
             </a:fld>
             <a:endParaRPr lang="en-US"/>
           </a:p>
@@ -15718,7 +15718,7 @@
           <a:p>
             <a:r>
               <a:rPr lang="en-US"/>
-              <a:t>© 2022, FLL Tutorials</a:t>
+              <a:t>© 2023, FLLTutorials.com, Last edit 5/29/2023</a:t>
             </a:r>
           </a:p>
         </p:txBody>
@@ -15882,9 +15882,9 @@
           <a:bodyPr/>
           <a:lstStyle/>
           <a:p>
-            <a:fld id="{F9A2A7AC-D048-5843-8682-A1D4E849E7AE}" type="datetime1">
+            <a:fld id="{3C9A5136-089E-6C49-8BE1-C5A41DFA3721}" type="datetime1">
               <a:rPr lang="en-US" smtClean="0"/>
-              <a:t>10/28/22</a:t>
+              <a:t>5/29/23</a:t>
             </a:fld>
             <a:endParaRPr lang="en-US"/>
           </a:p>
@@ -15907,7 +15907,7 @@
           <a:p>
             <a:r>
               <a:rPr lang="en-US"/>
-              <a:t>© 2022, FLL Tutorials</a:t>
+              <a:t>© 2023, FLLTutorials.com, Last edit 5/29/2023</a:t>
             </a:r>
           </a:p>
         </p:txBody>
@@ -16083,9 +16083,9 @@
           <a:bodyPr/>
           <a:lstStyle/>
           <a:p>
-            <a:fld id="{4C7A6287-EAD6-F340-94FA-3795D491A298}" type="datetime1">
+            <a:fld id="{7A5BFE35-0AF9-DE46-91FB-CF517CEB769B}" type="datetime1">
               <a:rPr lang="en-US" smtClean="0"/>
-              <a:t>10/28/22</a:t>
+              <a:t>5/29/23</a:t>
             </a:fld>
             <a:endParaRPr lang="en-US"/>
           </a:p>
@@ -16108,7 +16108,7 @@
           <a:p>
             <a:r>
               <a:rPr lang="en-US"/>
-              <a:t>© 2022, FLL Tutorials</a:t>
+              <a:t>© 2023, FLLTutorials.com, Last edit 5/29/2023</a:t>
             </a:r>
           </a:p>
         </p:txBody>
@@ -16254,9 +16254,9 @@
           <a:bodyPr/>
           <a:lstStyle/>
           <a:p>
-            <a:fld id="{82240246-7049-2C45-80B0-F613649C4A3F}" type="datetime1">
+            <a:fld id="{72EE0F48-FF7D-854C-9FB6-178E9E020848}" type="datetime1">
               <a:rPr lang="en-US" smtClean="0"/>
-              <a:t>10/28/22</a:t>
+              <a:t>5/29/23</a:t>
             </a:fld>
             <a:endParaRPr lang="en-US"/>
           </a:p>
@@ -16279,7 +16279,7 @@
           <a:p>
             <a:r>
               <a:rPr lang="en-US"/>
-              <a:t>© 2022, FLL Tutorials</a:t>
+              <a:t>© 2023, FLLTutorials.com, Last edit 5/29/2023</a:t>
             </a:r>
           </a:p>
         </p:txBody>
@@ -16502,9 +16502,9 @@
           <a:bodyPr/>
           <a:lstStyle/>
           <a:p>
-            <a:fld id="{2D2ADE0A-A377-B045-BF56-5A88BA3E12DB}" type="datetime1">
+            <a:fld id="{4371A303-32A0-8A40-AC13-F005F8C33FC0}" type="datetime1">
               <a:rPr lang="en-US" smtClean="0"/>
-              <a:t>10/28/22</a:t>
+              <a:t>5/29/23</a:t>
             </a:fld>
             <a:endParaRPr lang="en-US"/>
           </a:p>
@@ -16527,7 +16527,7 @@
           <a:p>
             <a:r>
               <a:rPr lang="en-US"/>
-              <a:t>© 2022, FLL Tutorials</a:t>
+              <a:t>© 2023, FLLTutorials.com, Last edit 5/29/2023</a:t>
             </a:r>
           </a:p>
         </p:txBody>
@@ -16734,9 +16734,9 @@
           <a:bodyPr/>
           <a:lstStyle/>
           <a:p>
-            <a:fld id="{101C2136-3B57-8E4D-93BB-80A0F93293BE}" type="datetime1">
+            <a:fld id="{4202078B-02E3-8144-9645-5B90F75C7233}" type="datetime1">
               <a:rPr lang="en-US" smtClean="0"/>
-              <a:t>10/28/22</a:t>
+              <a:t>5/29/23</a:t>
             </a:fld>
             <a:endParaRPr lang="en-US"/>
           </a:p>
@@ -16759,7 +16759,7 @@
           <a:p>
             <a:r>
               <a:rPr lang="en-US"/>
-              <a:t>© 2022, FLL Tutorials</a:t>
+              <a:t>© 2023, FLLTutorials.com, Last edit 5/29/2023</a:t>
             </a:r>
           </a:p>
         </p:txBody>
@@ -16854,9 +16854,9 @@
           <a:bodyPr/>
           <a:lstStyle/>
           <a:p>
-            <a:fld id="{BA2B41D6-DCCB-F448-9802-6C56E0774C17}" type="datetime1">
+            <a:fld id="{36B7BF47-8ECC-BF43-B756-31F05058AD1A}" type="datetime1">
               <a:rPr lang="en-US" smtClean="0"/>
-              <a:t>10/28/22</a:t>
+              <a:t>5/29/23</a:t>
             </a:fld>
             <a:endParaRPr lang="en-US"/>
           </a:p>
@@ -16879,7 +16879,7 @@
           <a:p>
             <a:r>
               <a:rPr lang="en-US"/>
-              <a:t>© 2022, FLL Tutorials</a:t>
+              <a:t>© 2023, FLLTutorials.com, Last edit 5/29/2023</a:t>
             </a:r>
           </a:p>
         </p:txBody>
@@ -17221,9 +17221,9 @@
           <a:bodyPr/>
           <a:lstStyle/>
           <a:p>
-            <a:fld id="{3EF2EFE5-0EEE-3B48-8E30-D4EA6BA440B5}" type="datetime1">
+            <a:fld id="{FBBED879-8343-DE45-B5D2-97DC944C9952}" type="datetime1">
               <a:rPr lang="en-US" smtClean="0"/>
-              <a:t>10/28/22</a:t>
+              <a:t>5/29/23</a:t>
             </a:fld>
             <a:endParaRPr lang="en-US"/>
           </a:p>
@@ -17246,7 +17246,7 @@
           <a:p>
             <a:r>
               <a:rPr lang="en-US"/>
-              <a:t>© 2022, FLL Tutorials</a:t>
+              <a:t>© 2023, FLLTutorials.com, Last edit 5/29/2023</a:t>
             </a:r>
           </a:p>
         </p:txBody>
@@ -17341,9 +17341,9 @@
           <a:bodyPr/>
           <a:lstStyle/>
           <a:p>
-            <a:fld id="{F62E329C-E079-3B47-A34F-916D87BC2641}" type="datetime1">
+            <a:fld id="{8ABFA0F7-C581-334C-A580-6516107F1BDF}" type="datetime1">
               <a:rPr lang="en-US" smtClean="0"/>
-              <a:t>10/28/22</a:t>
+              <a:t>5/29/23</a:t>
             </a:fld>
             <a:endParaRPr lang="en-US"/>
           </a:p>
@@ -17366,7 +17366,7 @@
           <a:p>
             <a:r>
               <a:rPr lang="en-US"/>
-              <a:t>© 2022, FLL Tutorials</a:t>
+              <a:t>© 2023, FLLTutorials.com, Last edit 5/29/2023</a:t>
             </a:r>
           </a:p>
         </p:txBody>
@@ -17439,9 +17439,9 @@
           <a:bodyPr/>
           <a:lstStyle/>
           <a:p>
-            <a:fld id="{DC37B589-5F80-4A4E-B6B8-36F4E1954237}" type="datetime1">
+            <a:fld id="{ED22C71B-3D82-0745-8E4C-E59D709E6D29}" type="datetime1">
               <a:rPr lang="en-US" smtClean="0"/>
-              <a:t>10/28/22</a:t>
+              <a:t>5/29/23</a:t>
             </a:fld>
             <a:endParaRPr lang="en-US"/>
           </a:p>
@@ -17464,7 +17464,7 @@
           <a:p>
             <a:r>
               <a:rPr lang="en-US"/>
-              <a:t>© 2022, FLL Tutorials</a:t>
+              <a:t>© 2023, FLLTutorials.com, Last edit 5/29/2023</a:t>
             </a:r>
           </a:p>
         </p:txBody>
@@ -17717,9 +17717,9 @@
           <a:bodyPr/>
           <a:lstStyle/>
           <a:p>
-            <a:fld id="{4D3E553A-6979-E943-B7B8-D26EDDC84BC9}" type="datetime1">
+            <a:fld id="{7BD4EED1-70BD-F14A-959C-B6B329E075CD}" type="datetime1">
               <a:rPr lang="en-US" smtClean="0"/>
-              <a:t>10/28/22</a:t>
+              <a:t>5/29/23</a:t>
             </a:fld>
             <a:endParaRPr lang="en-US"/>
           </a:p>
@@ -17742,7 +17742,7 @@
           <a:p>
             <a:r>
               <a:rPr lang="en-US"/>
-              <a:t>© 2022, FLL Tutorials</a:t>
+              <a:t>© 2023, FLLTutorials.com, Last edit 5/29/2023</a:t>
             </a:r>
           </a:p>
         </p:txBody>
@@ -17975,9 +17975,9 @@
           <a:bodyPr/>
           <a:lstStyle/>
           <a:p>
-            <a:fld id="{66A73E2F-0F8A-0545-8ECD-417442ED028D}" type="datetime1">
+            <a:fld id="{2A5584A5-E2C0-9340-A05C-FD47C4CBC422}" type="datetime1">
               <a:rPr lang="en-US" smtClean="0"/>
-              <a:t>10/28/22</a:t>
+              <a:t>5/29/23</a:t>
             </a:fld>
             <a:endParaRPr lang="en-US"/>
           </a:p>
@@ -18000,7 +18000,7 @@
           <a:p>
             <a:r>
               <a:rPr lang="en-US"/>
-              <a:t>© 2022, FLL Tutorials</a:t>
+              <a:t>© 2023, FLLTutorials.com, Last edit 5/29/2023</a:t>
             </a:r>
           </a:p>
         </p:txBody>
@@ -18146,9 +18146,9 @@
           <a:bodyPr/>
           <a:lstStyle/>
           <a:p>
-            <a:fld id="{2031D415-803C-274A-8BD7-7D5E08F7044B}" type="datetime1">
+            <a:fld id="{CAE4E952-8A40-C242-9B4A-8D2659AEC7EE}" type="datetime1">
               <a:rPr lang="en-US" smtClean="0"/>
-              <a:t>10/28/22</a:t>
+              <a:t>5/29/23</a:t>
             </a:fld>
             <a:endParaRPr lang="en-US"/>
           </a:p>
@@ -18171,7 +18171,7 @@
           <a:p>
             <a:r>
               <a:rPr lang="en-US"/>
-              <a:t>© 2022, FLL Tutorials</a:t>
+              <a:t>© 2023, FLLTutorials.com, Last edit 5/29/2023</a:t>
             </a:r>
           </a:p>
         </p:txBody>
@@ -18327,9 +18327,9 @@
           <a:bodyPr/>
           <a:lstStyle/>
           <a:p>
-            <a:fld id="{F0E89762-0E5E-2A42-A3DF-9EADEF3445A8}" type="datetime1">
+            <a:fld id="{8505A470-5875-2849-B30E-C3FE7F46F0D4}" type="datetime1">
               <a:rPr lang="en-US" smtClean="0"/>
-              <a:t>10/28/22</a:t>
+              <a:t>5/29/23</a:t>
             </a:fld>
             <a:endParaRPr lang="en-US"/>
           </a:p>
@@ -18352,7 +18352,7 @@
           <a:p>
             <a:r>
               <a:rPr lang="en-US"/>
-              <a:t>© 2022, FLL Tutorials</a:t>
+              <a:t>© 2023, FLLTutorials.com, Last edit 5/29/2023</a:t>
             </a:r>
           </a:p>
         </p:txBody>
@@ -18644,9 +18644,9 @@
             </a:lvl1pPr>
           </a:lstStyle>
           <a:p>
-            <a:fld id="{963EF851-2BBB-4D4B-B50A-585CE0C51242}" type="datetime1">
+            <a:fld id="{B7D91324-4E72-484C-81D8-BAF3BF96A597}" type="datetime1">
               <a:rPr lang="en-US" smtClean="0"/>
-              <a:t>10/28/22</a:t>
+              <a:t>5/29/23</a:t>
             </a:fld>
             <a:endParaRPr lang="en-US"/>
           </a:p>
@@ -18688,7 +18688,7 @@
           <a:p>
             <a:r>
               <a:rPr lang="en-US"/>
-              <a:t>© 2022, FLL Tutorials</a:t>
+              <a:t>© 2023, FLLTutorials.com, Last edit 5/29/2023</a:t>
             </a:r>
           </a:p>
         </p:txBody>
@@ -18977,9 +18977,9 @@
             </a:lvl1pPr>
           </a:lstStyle>
           <a:p>
-            <a:fld id="{F5C7CB57-1E3D-914C-9D1A-5E7423A6F715}" type="datetime1">
+            <a:fld id="{1DEEF50C-C460-1441-A588-4EFA39AD0395}" type="datetime1">
               <a:rPr lang="en-US" smtClean="0"/>
-              <a:t>10/28/22</a:t>
+              <a:t>5/29/23</a:t>
             </a:fld>
             <a:endParaRPr lang="en-US"/>
           </a:p>
@@ -19024,7 +19024,7 @@
           <a:p>
             <a:r>
               <a:rPr lang="en-US"/>
-              <a:t>© 2022, FLL Tutorials</a:t>
+              <a:t>© 2023, FLLTutorials.com, Last edit 5/29/2023</a:t>
             </a:r>
           </a:p>
         </p:txBody>
@@ -19431,7 +19431,7 @@
             <a:fld id="{B61BEF0D-F0BB-DE4B-95CE-6DB70DBA9567}" type="datetimeFigureOut">
               <a:rPr lang="en-US" smtClean="0"/>
               <a:pPr/>
-              <a:t>10/28/22</a:t>
+              <a:t>5/29/23</a:t>
             </a:fld>
             <a:endParaRPr lang="en-US" dirty="0"/>
           </a:p>
@@ -19747,9 +19747,9 @@
           <a:bodyPr/>
           <a:lstStyle/>
           <a:p>
-            <a:fld id="{5BE333F6-0160-DA43-825C-21CA5750DE6D}" type="datetime1">
+            <a:fld id="{66D46C19-BD5E-ED46-99A8-296C388CBC79}" type="datetime1">
               <a:rPr lang="en-US" smtClean="0"/>
-              <a:t>10/28/22</a:t>
+              <a:t>5/29/23</a:t>
             </a:fld>
             <a:endParaRPr lang="en-US"/>
           </a:p>
@@ -19772,7 +19772,7 @@
           <a:p>
             <a:r>
               <a:rPr lang="en-US"/>
-              <a:t>© 2022, FLL Tutorials</a:t>
+              <a:t>© 2023, FLLTutorials.com, Last edit 5/29/2023</a:t>
             </a:r>
           </a:p>
         </p:txBody>
@@ -20033,9 +20033,9 @@
           <a:bodyPr/>
           <a:lstStyle/>
           <a:p>
-            <a:fld id="{257972EA-F0B3-794D-876D-F5B52F506A06}" type="datetime1">
+            <a:fld id="{35746260-1C59-ED43-8B21-154B20277317}" type="datetime1">
               <a:rPr lang="en-US" smtClean="0"/>
-              <a:t>10/28/22</a:t>
+              <a:t>5/29/23</a:t>
             </a:fld>
             <a:endParaRPr lang="en-US"/>
           </a:p>
@@ -20066,7 +20066,7 @@
           <a:p>
             <a:r>
               <a:rPr lang="en-US"/>
-              <a:t>© 2022, FLL Tutorials</a:t>
+              <a:t>© 2023, FLLTutorials.com, Last edit 5/29/2023</a:t>
             </a:r>
           </a:p>
         </p:txBody>
@@ -20481,9 +20481,9 @@
           <a:bodyPr/>
           <a:lstStyle/>
           <a:p>
-            <a:fld id="{33E4F7F4-1BCE-EE43-9014-DC71FFB2633D}" type="datetime1">
+            <a:fld id="{4E19C2BD-44A9-0C48-AC54-B47DC9D69ACE}" type="datetime1">
               <a:rPr lang="en-US" smtClean="0"/>
-              <a:t>10/28/22</a:t>
+              <a:t>5/29/23</a:t>
             </a:fld>
             <a:endParaRPr lang="en-US"/>
           </a:p>
@@ -20514,7 +20514,7 @@
           <a:p>
             <a:r>
               <a:rPr lang="en-US"/>
-              <a:t>© 2022, FLL Tutorials</a:t>
+              <a:t>© 2023, FLLTutorials.com, Last edit 5/29/2023</a:t>
             </a:r>
           </a:p>
         </p:txBody>
@@ -20665,9 +20665,9 @@
           <a:bodyPr/>
           <a:lstStyle/>
           <a:p>
-            <a:fld id="{18FF3242-35D3-234A-A12A-C6D63C4F86DF}" type="datetime1">
+            <a:fld id="{8D25D64C-3BCC-B148-98DE-198B5AD71BFC}" type="datetime1">
               <a:rPr lang="en-US" smtClean="0"/>
-              <a:t>10/28/22</a:t>
+              <a:t>5/29/23</a:t>
             </a:fld>
             <a:endParaRPr lang="en-US"/>
           </a:p>
@@ -20698,7 +20698,7 @@
           <a:p>
             <a:r>
               <a:rPr lang="en-US"/>
-              <a:t>© 2022, FLL Tutorials</a:t>
+              <a:t>© 2023, FLLTutorials.com, Last edit 5/29/2023</a:t>
             </a:r>
           </a:p>
         </p:txBody>
@@ -20787,9 +20787,9 @@
           <a:bodyPr/>
           <a:lstStyle/>
           <a:p>
-            <a:fld id="{D668811C-A571-D546-9FAC-56BCB8663CDC}" type="datetime1">
+            <a:fld id="{D0485771-0691-A049-824C-7F0A4D2CD07F}" type="datetime1">
               <a:rPr lang="en-US" smtClean="0"/>
-              <a:t>10/28/22</a:t>
+              <a:t>5/29/23</a:t>
             </a:fld>
             <a:endParaRPr lang="en-US"/>
           </a:p>
@@ -20820,7 +20820,7 @@
           <a:p>
             <a:r>
               <a:rPr lang="en-US"/>
-              <a:t>© 2022, FLL Tutorials</a:t>
+              <a:t>© 2023, FLLTutorials.com, Last edit 5/29/2023</a:t>
             </a:r>
           </a:p>
         </p:txBody>
@@ -21192,9 +21192,9 @@
             </a:lvl1pPr>
           </a:lstStyle>
           <a:p>
-            <a:fld id="{64CCAFAB-DEEF-E146-895E-5BACCE2B154F}" type="datetime1">
+            <a:fld id="{DCA494F5-98CA-F045-81D9-A84C3A555B59}" type="datetime1">
               <a:rPr lang="en-US" smtClean="0"/>
-              <a:t>10/28/22</a:t>
+              <a:t>5/29/23</a:t>
             </a:fld>
             <a:endParaRPr lang="en-US"/>
           </a:p>
@@ -21236,7 +21236,7 @@
           <a:p>
             <a:r>
               <a:rPr lang="en-US"/>
-              <a:t>© 2022, FLL Tutorials</a:t>
+              <a:t>© 2023, FLLTutorials.com, Last edit 5/29/2023</a:t>
             </a:r>
           </a:p>
         </p:txBody>
@@ -21508,9 +21508,9 @@
           <a:bodyPr/>
           <a:lstStyle/>
           <a:p>
-            <a:fld id="{90FF0907-C5E4-544C-889A-535B83DA72B4}" type="datetime1">
+            <a:fld id="{2FB212EF-0C26-4445-BC44-F74A17508C23}" type="datetime1">
               <a:rPr lang="en-US" smtClean="0"/>
-              <a:t>10/28/22</a:t>
+              <a:t>5/29/23</a:t>
             </a:fld>
             <a:endParaRPr lang="en-US"/>
           </a:p>
@@ -21541,7 +21541,7 @@
           <a:p>
             <a:r>
               <a:rPr lang="en-US"/>
-              <a:t>© 2022, FLL Tutorials</a:t>
+              <a:t>© 2023, FLLTutorials.com, Last edit 5/29/2023</a:t>
             </a:r>
           </a:p>
         </p:txBody>
@@ -21760,9 +21760,9 @@
           <a:bodyPr/>
           <a:lstStyle/>
           <a:p>
-            <a:fld id="{63E4592B-1FD7-7A4C-BBB2-69CC31184B78}" type="datetime1">
+            <a:fld id="{AD510542-F305-E643-A621-6304C406AC0A}" type="datetime1">
               <a:rPr lang="en-US" smtClean="0"/>
-              <a:t>10/28/22</a:t>
+              <a:t>5/29/23</a:t>
             </a:fld>
             <a:endParaRPr lang="en-US"/>
           </a:p>
@@ -21793,7 +21793,7 @@
           <a:p>
             <a:r>
               <a:rPr lang="en-US"/>
-              <a:t>© 2022, FLL Tutorials</a:t>
+              <a:t>© 2023, FLLTutorials.com, Last edit 5/29/2023</a:t>
             </a:r>
           </a:p>
         </p:txBody>
@@ -22017,9 +22017,9 @@
             </a:lvl1pPr>
           </a:lstStyle>
           <a:p>
-            <a:fld id="{CE4E3273-707A-6647-9FC7-EED04AAB206E}" type="datetime1">
+            <a:fld id="{158658E4-920A-8047-8880-CA90368F09BE}" type="datetime1">
               <a:rPr lang="en-US" smtClean="0"/>
-              <a:t>10/28/22</a:t>
+              <a:t>5/29/23</a:t>
             </a:fld>
             <a:endParaRPr lang="en-US"/>
           </a:p>
@@ -22050,7 +22050,7 @@
           <a:p>
             <a:r>
               <a:rPr lang="en-US"/>
-              <a:t>© 2022, FLL Tutorials</a:t>
+              <a:t>© 2023, FLLTutorials.com, Last edit 5/29/2023</a:t>
             </a:r>
           </a:p>
         </p:txBody>
@@ -22294,9 +22294,9 @@
           <a:bodyPr/>
           <a:lstStyle/>
           <a:p>
-            <a:fld id="{087AF170-ADB5-DA4F-8E7D-2CB5E2690CDC}" type="datetime1">
+            <a:fld id="{7A234417-9787-0F4D-8A50-D1BA20E2FD53}" type="datetime1">
               <a:rPr lang="en-US" smtClean="0"/>
-              <a:t>10/28/22</a:t>
+              <a:t>5/29/23</a:t>
             </a:fld>
             <a:endParaRPr lang="en-US"/>
           </a:p>
@@ -22319,7 +22319,7 @@
           <a:p>
             <a:r>
               <a:rPr lang="en-US"/>
-              <a:t>© 2022, FLL Tutorials</a:t>
+              <a:t>© 2023, FLLTutorials.com, Last edit 5/29/2023</a:t>
             </a:r>
           </a:p>
         </p:txBody>
@@ -22594,9 +22594,9 @@
           <a:bodyPr/>
           <a:lstStyle/>
           <a:p>
-            <a:fld id="{24C63196-4D05-F743-BEF3-7E71C6724AA9}" type="datetime1">
+            <a:fld id="{E4484C24-7554-1540-A661-2209039452E6}" type="datetime1">
               <a:rPr lang="en-US" smtClean="0"/>
-              <a:t>10/28/22</a:t>
+              <a:t>5/29/23</a:t>
             </a:fld>
             <a:endParaRPr lang="en-US"/>
           </a:p>
@@ -22619,7 +22619,7 @@
           <a:p>
             <a:r>
               <a:rPr lang="en-US"/>
-              <a:t>© 2022, FLL Tutorials</a:t>
+              <a:t>© 2023, FLLTutorials.com, Last edit 5/29/2023</a:t>
             </a:r>
           </a:p>
         </p:txBody>
@@ -22895,9 +22895,9 @@
             </a:lvl1pPr>
           </a:lstStyle>
           <a:p>
-            <a:fld id="{84029168-3E5F-F748-8D9A-ED87233B5602}" type="datetime1">
+            <a:fld id="{F9DACB03-F40D-9643-8A90-1A042D67A86F}" type="datetime1">
               <a:rPr lang="en-US" smtClean="0"/>
-              <a:t>10/28/22</a:t>
+              <a:t>5/29/23</a:t>
             </a:fld>
             <a:endParaRPr lang="en-US"/>
           </a:p>
@@ -22936,7 +22936,7 @@
           <a:p>
             <a:r>
               <a:rPr lang="en-US"/>
-              <a:t>© 2022, FLL Tutorials</a:t>
+              <a:t>© 2023, FLLTutorials.com, Last edit 5/29/2023</a:t>
             </a:r>
           </a:p>
         </p:txBody>
@@ -23847,9 +23847,9 @@
             </a:lvl1pPr>
           </a:lstStyle>
           <a:p>
-            <a:fld id="{1720C06B-11D1-6B4B-BC4E-B9AD7560F766}" type="datetime1">
+            <a:fld id="{8767E8AD-E054-B345-BBF7-C113743FB3A6}" type="datetime1">
               <a:rPr lang="en-US" smtClean="0"/>
-              <a:t>10/28/22</a:t>
+              <a:t>5/29/23</a:t>
             </a:fld>
             <a:endParaRPr lang="en-US"/>
           </a:p>
@@ -23888,7 +23888,7 @@
           <a:p>
             <a:r>
               <a:rPr lang="en-US"/>
-              <a:t>© 2022, FLL Tutorials</a:t>
+              <a:t>© 2023, FLLTutorials.com, Last edit 5/29/2023</a:t>
             </a:r>
           </a:p>
         </p:txBody>
@@ -24905,9 +24905,9 @@
             </a:lvl1pPr>
           </a:lstStyle>
           <a:p>
-            <a:fld id="{E0DF89E3-5BB9-C545-9AE3-A1A6AA2EFFBB}" type="datetime1">
+            <a:fld id="{1F5D0C30-BFE4-C648-A011-D1C93DEA8509}" type="datetime1">
               <a:rPr lang="en-US" smtClean="0"/>
-              <a:t>10/28/22</a:t>
+              <a:t>5/29/23</a:t>
             </a:fld>
             <a:endParaRPr lang="en-US"/>
           </a:p>
@@ -24948,7 +24948,7 @@
           <a:p>
             <a:r>
               <a:rPr lang="en-US"/>
-              <a:t>© 2022, FLL Tutorials</a:t>
+              <a:t>© 2023, FLLTutorials.com, Last edit 5/29/2023</a:t>
             </a:r>
           </a:p>
         </p:txBody>
@@ -25447,9 +25447,9 @@
             </a:lvl1pPr>
           </a:lstStyle>
           <a:p>
-            <a:fld id="{133638C4-5777-C846-AE87-2393342227EA}" type="datetime1">
+            <a:fld id="{DCC3C51B-3D00-CB4C-A521-C807493513D3}" type="datetime1">
               <a:rPr lang="en-US" smtClean="0"/>
-              <a:t>10/28/22</a:t>
+              <a:t>5/29/23</a:t>
             </a:fld>
             <a:endParaRPr lang="en-US"/>
           </a:p>
@@ -25488,7 +25488,7 @@
           <a:p>
             <a:r>
               <a:rPr lang="en-US"/>
-              <a:t>© 2022, FLL Tutorials</a:t>
+              <a:t>© 2023, FLLTutorials.com, Last edit 5/29/2023</a:t>
             </a:r>
           </a:p>
         </p:txBody>
@@ -26816,9 +26816,9 @@
             </a:lvl1pPr>
           </a:lstStyle>
           <a:p>
-            <a:fld id="{91CD32FE-9C7A-F843-98BA-41C07BA0F87F}" type="datetime1">
+            <a:fld id="{16270674-56D8-084F-81BE-3A434540D004}" type="datetime1">
               <a:rPr lang="en-US" smtClean="0"/>
-              <a:t>10/28/22</a:t>
+              <a:t>5/29/23</a:t>
             </a:fld>
             <a:endParaRPr lang="en-US"/>
           </a:p>
@@ -26857,7 +26857,7 @@
           <a:p>
             <a:r>
               <a:rPr lang="en-US"/>
-              <a:t>© 2022, FLL Tutorials</a:t>
+              <a:t>© 2023, FLLTutorials.com, Last edit 5/29/2023</a:t>
             </a:r>
           </a:p>
         </p:txBody>
@@ -27894,9 +27894,9 @@
             </a:lvl1pPr>
           </a:lstStyle>
           <a:p>
-            <a:fld id="{BF020807-C149-6141-A33C-0A36C19B59BA}" type="datetime1">
+            <a:fld id="{E38DAFF7-C0F2-C74B-8D78-ED945A89FDE6}" type="datetime1">
               <a:rPr lang="en-US" smtClean="0"/>
-              <a:t>10/28/22</a:t>
+              <a:t>5/29/23</a:t>
             </a:fld>
             <a:endParaRPr lang="en-US"/>
           </a:p>
@@ -27937,7 +27937,7 @@
           <a:p>
             <a:r>
               <a:rPr lang="en-US"/>
-              <a:t>© 2022, FLL Tutorials</a:t>
+              <a:t>© 2023, FLLTutorials.com, Last edit 5/29/2023</a:t>
             </a:r>
           </a:p>
         </p:txBody>
@@ -28556,9 +28556,9 @@
             </a:lvl1pPr>
           </a:lstStyle>
           <a:p>
-            <a:fld id="{4C1A03D6-0ED2-5545-8D86-10AF01F4FBE7}" type="datetime1">
+            <a:fld id="{B76BE6FE-1CF1-5C48-BB0F-31193679D2D6}" type="datetime1">
               <a:rPr lang="en-US" smtClean="0"/>
-              <a:t>10/28/22</a:t>
+              <a:t>5/29/23</a:t>
             </a:fld>
             <a:endParaRPr lang="en-US"/>
           </a:p>
@@ -28606,7 +28606,7 @@
           <a:p>
             <a:r>
               <a:rPr lang="en-US"/>
-              <a:t>© 2022, FLL Tutorials</a:t>
+              <a:t>© 2023, FLLTutorials.com, Last edit 5/29/2023</a:t>
             </a:r>
           </a:p>
         </p:txBody>
@@ -29246,7 +29246,7 @@
           <a:p>
             <a:r>
               <a:rPr lang="en-US"/>
-              <a:t>© 2022, FLL Tutorials</a:t>
+              <a:t>© 2023, FLLTutorials.com, Last edit 5/29/2023</a:t>
             </a:r>
           </a:p>
         </p:txBody>
@@ -29620,81 +29620,11 @@
           <a:p>
             <a:r>
               <a:rPr lang="en-US"/>
-              <a:t>© 2022, FLL Tutorials</a:t>
-            </a:r>
-          </a:p>
-        </p:txBody>
-      </p:sp>
-      <p:pic>
-        <p:nvPicPr>
-          <p:cNvPr id="12" name="Picture 11">
-            <a:extLst>
-              <a:ext uri="{FF2B5EF4-FFF2-40B4-BE49-F238E27FC236}">
-                <a16:creationId xmlns:a16="http://schemas.microsoft.com/office/drawing/2014/main" id="{879ADBC8-069A-1441-8543-52E22D51CA51}"/>
-              </a:ext>
-            </a:extLst>
-          </p:cNvPr>
-          <p:cNvPicPr>
-            <a:picLocks noChangeAspect="1"/>
-          </p:cNvPicPr>
-          <p:nvPr/>
-        </p:nvPicPr>
-        <p:blipFill rotWithShape="1">
-          <a:blip r:embed="rId2" cstate="screen">
-            <a:extLst>
-              <a:ext uri="{28A0092B-C50C-407E-A947-70E740481C1C}">
-                <a14:useLocalDpi xmlns:a14="http://schemas.microsoft.com/office/drawing/2010/main"/>
-              </a:ext>
-            </a:extLst>
-          </a:blip>
-          <a:srcRect/>
-          <a:stretch/>
-        </p:blipFill>
-        <p:spPr>
-          <a:xfrm>
-            <a:off x="4948238" y="4943916"/>
-            <a:ext cx="3622705" cy="1079500"/>
-          </a:xfrm>
-          <a:prstGeom prst="rect">
-            <a:avLst/>
-          </a:prstGeom>
-        </p:spPr>
-      </p:pic>
-      <p:pic>
-        <p:nvPicPr>
-          <p:cNvPr id="15" name="Picture 14">
-            <a:extLst>
-              <a:ext uri="{FF2B5EF4-FFF2-40B4-BE49-F238E27FC236}">
-                <a16:creationId xmlns:a16="http://schemas.microsoft.com/office/drawing/2014/main" id="{78E2C2CB-D94B-9840-A2B3-BF5F0C1BDFCA}"/>
-              </a:ext>
-            </a:extLst>
-          </p:cNvPr>
-          <p:cNvPicPr>
-            <a:picLocks noChangeAspect="1"/>
-          </p:cNvPicPr>
-          <p:nvPr/>
-        </p:nvPicPr>
-        <p:blipFill rotWithShape="1">
-          <a:blip r:embed="rId3" cstate="screen">
-            <a:extLst>
-              <a:ext uri="{28A0092B-C50C-407E-A947-70E740481C1C}">
-                <a14:useLocalDpi xmlns:a14="http://schemas.microsoft.com/office/drawing/2010/main"/>
-              </a:ext>
-            </a:extLst>
-          </a:blip>
-          <a:srcRect/>
-          <a:stretch/>
-        </p:blipFill>
-        <p:spPr>
-          <a:xfrm>
-            <a:off x="4903805" y="3889307"/>
-            <a:ext cx="3842293" cy="1003300"/>
-          </a:xfrm>
-          <a:prstGeom prst="rect">
-            <a:avLst/>
-          </a:prstGeom>
-        </p:spPr>
-      </p:pic>
+              <a:t>© 2023, FLLTutorials.com, Last edit 5/29/2023</a:t>
+            </a:r>
+          </a:p>
+        </p:txBody>
+      </p:sp>
       <p:grpSp>
         <p:nvGrpSpPr>
           <p:cNvPr id="8" name="Group 7">
@@ -29709,7 +29639,7 @@
         </p:nvGrpSpPr>
         <p:grpSpPr>
           <a:xfrm>
-            <a:off x="457199" y="3931899"/>
+            <a:off x="2534461" y="4126595"/>
             <a:ext cx="4075078" cy="2024033"/>
             <a:chOff x="1973157" y="3206913"/>
             <a:chExt cx="6182837" cy="3070927"/>
@@ -29730,7 +29660,7 @@
             <p:nvPr/>
           </p:nvPicPr>
           <p:blipFill>
-            <a:blip r:embed="rId4">
+            <a:blip r:embed="rId2">
               <a:extLst>
                 <a:ext uri="{28A0092B-C50C-407E-A947-70E740481C1C}">
                   <a14:useLocalDpi xmlns:a14="http://schemas.microsoft.com/office/drawing/2010/main" val="0"/>
@@ -29932,42 +29862,6 @@
           </p:txBody>
         </p:sp>
       </p:grpSp>
-      <p:sp>
-        <p:nvSpPr>
-          <p:cNvPr id="21" name="TextBox 20">
-            <a:extLst>
-              <a:ext uri="{FF2B5EF4-FFF2-40B4-BE49-F238E27FC236}">
-                <a16:creationId xmlns:a16="http://schemas.microsoft.com/office/drawing/2014/main" id="{33D25099-2DC6-1C24-6CF8-69A7323DCB27}"/>
-              </a:ext>
-            </a:extLst>
-          </p:cNvPr>
-          <p:cNvSpPr txBox="1"/>
-          <p:nvPr/>
-        </p:nvSpPr>
-        <p:spPr>
-          <a:xfrm>
-            <a:off x="5278808" y="5890059"/>
-            <a:ext cx="2961564" cy="369332"/>
-          </a:xfrm>
-          <a:prstGeom prst="rect">
-            <a:avLst/>
-          </a:prstGeom>
-          <a:noFill/>
-        </p:spPr>
-        <p:txBody>
-          <a:bodyPr wrap="square" rtlCol="0">
-            <a:spAutoFit/>
-          </a:bodyPr>
-          <a:lstStyle/>
-          <a:p>
-            <a:pPr algn="ctr"/>
-            <a:r>
-              <a:rPr lang="en-US" dirty="0"/>
-              <a:t>Sample code in EV3-Lab</a:t>
-            </a:r>
-          </a:p>
-        </p:txBody>
-      </p:sp>
     </p:spTree>
     <p:extLst>
       <p:ext uri="{BB962C8B-B14F-4D97-AF65-F5344CB8AC3E}">
@@ -30097,7 +29991,7 @@
           <a:p>
             <a:r>
               <a:rPr lang="en-US"/>
-              <a:t>© 2022, FLL Tutorials</a:t>
+              <a:t>© 2023, FLLTutorials.com, Last edit 5/29/2023</a:t>
             </a:r>
           </a:p>
         </p:txBody>
@@ -30229,7 +30123,7 @@
           <a:p>
             <a:r>
               <a:rPr lang="en-US"/>
-              <a:t>© 2022, FLL Tutorials</a:t>
+              <a:t>© 2023, FLLTutorials.com, Last edit 5/29/2023</a:t>
             </a:r>
           </a:p>
         </p:txBody>
@@ -30455,7 +30349,7 @@
           <a:p>
             <a:r>
               <a:rPr lang="en-US"/>
-              <a:t>© 2022, FLL Tutorials</a:t>
+              <a:t>© 2023, FLLTutorials.com, Last edit 5/29/2023</a:t>
             </a:r>
           </a:p>
         </p:txBody>
@@ -30864,22 +30758,31 @@
             </a:r>
             <a:r>
               <a:rPr lang="en-US" sz="2800" dirty="0"/>
-              <a:t> and </a:t>
+              <a:t>, </a:t>
             </a:r>
             <a:r>
               <a:rPr lang="en-US" sz="2800" dirty="0">
                 <a:hlinkClick r:id="rId4"/>
               </a:rPr>
-              <a:t>www.flltutorials.com</a:t>
-            </a:r>
-            <a:endParaRPr lang="en-US" sz="2800" dirty="0"/>
-          </a:p>
-          <a:p>
-            <a:pPr marL="342900" indent="-342900">
-              <a:buFont typeface="Arial" charset="0"/>
-              <a:buChar char="•"/>
-            </a:pPr>
-            <a:endParaRPr lang="en-US" sz="2800" dirty="0"/>
+              <a:t>www.primelessons.org</a:t>
+            </a:r>
+            <a:r>
+              <a:rPr lang="en-US" sz="2800" dirty="0"/>
+              <a:t> and </a:t>
+            </a:r>
+            <a:r>
+              <a:rPr lang="en-US" sz="2800" dirty="0">
+                <a:hlinkClick r:id="rId5"/>
+              </a:rPr>
+              <a:t>www.flltutorials</a:t>
+            </a:r>
+            <a:r>
+              <a:rPr lang="en-US" sz="2800">
+                <a:hlinkClick r:id="rId5"/>
+              </a:rPr>
+              <a:t>.com</a:t>
+            </a:r>
+            <a:endParaRPr lang="en-US" sz="2800"/>
           </a:p>
         </p:txBody>
       </p:sp>
@@ -30900,7 +30803,7 @@
           <a:p>
             <a:r>
               <a:rPr lang="en-US"/>
-              <a:t>© 2022, FLL Tutorials</a:t>
+              <a:t>© 2023, FLLTutorials.com, Last edit 5/29/2023</a:t>
             </a:r>
           </a:p>
         </p:txBody>
@@ -31149,7 +31052,7 @@
                 </a:solidFill>
                 <a:effectLst/>
                 <a:latin typeface="Helvetica Neue"/>
-                <a:hlinkClick r:id="rId5"/>
+                <a:hlinkClick r:id="rId6"/>
               </a:rPr>
               <a:t>Creative Commons Attribution-</a:t>
             </a:r>
@@ -31163,7 +31066,7 @@
                 </a:solidFill>
                 <a:effectLst/>
                 <a:latin typeface="Helvetica Neue"/>
-                <a:hlinkClick r:id="rId5"/>
+                <a:hlinkClick r:id="rId6"/>
               </a:rPr>
               <a:t>NonCommercial</a:t>
             </a:r>
@@ -31177,7 +31080,7 @@
                 </a:solidFill>
                 <a:effectLst/>
                 <a:latin typeface="Helvetica Neue"/>
-                <a:hlinkClick r:id="rId5"/>
+                <a:hlinkClick r:id="rId6"/>
               </a:rPr>
               <a:t>-</a:t>
             </a:r>
@@ -31191,7 +31094,7 @@
                 </a:solidFill>
                 <a:effectLst/>
                 <a:latin typeface="Helvetica Neue"/>
-                <a:hlinkClick r:id="rId5"/>
+                <a:hlinkClick r:id="rId6"/>
               </a:rPr>
               <a:t>ShareAlike</a:t>
             </a:r>
@@ -31205,7 +31108,7 @@
                 </a:solidFill>
                 <a:effectLst/>
                 <a:latin typeface="Helvetica Neue"/>
-                <a:hlinkClick r:id="rId5"/>
+                <a:hlinkClick r:id="rId6"/>
               </a:rPr>
               <a:t> 4.0 International License</a:t>
             </a:r>
@@ -31250,7 +31153,7 @@
       <p:pic>
         <p:nvPicPr>
           <p:cNvPr id="6" name="Picture 2" descr="Creative Commons License">
-            <a:hlinkClick r:id="rId5"/>
+            <a:hlinkClick r:id="rId6"/>
           </p:cNvPr>
           <p:cNvPicPr>
             <a:picLocks noChangeAspect="1" noChangeArrowheads="1"/>
@@ -31258,7 +31161,7 @@
           <p:nvPr/>
         </p:nvPicPr>
         <p:blipFill>
-          <a:blip r:embed="rId6">
+          <a:blip r:embed="rId7">
             <a:extLst>
               <a:ext uri="{28A0092B-C50C-407E-A947-70E740481C1C}">
                 <a14:useLocalDpi xmlns:a14="http://schemas.microsoft.com/office/drawing/2010/main"/>

--- a/translations/en-us/RobotGame/FindingLines.pptx
+++ b/translations/en-us/RobotGame/FindingLines.pptx
@@ -2229,7 +2229,7 @@
           <a:noFill/>
           <a:extLst>
             <a:ext uri="{909E8E84-426E-40dd-AFC4-6F175D3DCCD1}">
-              <a14:hiddenFill xmlns:a14="http://schemas.microsoft.com/office/drawing/2010/main" xmlns="">
+              <a14:hiddenFill xmlns="" xmlns:a14="http://schemas.microsoft.com/office/drawing/2010/main">
                 <a:solidFill>
                   <a:srgbClr val="FFFFFF"/>
                 </a:solidFill>
@@ -30833,7 +30833,7 @@
           <a:effectLst/>
           <a:extLst>
             <a:ext uri="{91240B29-F687-4f45-9708-019B960494DF}">
-              <a14:hiddenLine xmlns="" xmlns:a14="http://schemas.microsoft.com/office/drawing/2010/main" w="9525">
+              <a14:hiddenLine xmlns:a14="http://schemas.microsoft.com/office/drawing/2010/main" xmlns="" w="9525">
                 <a:solidFill>
                   <a:schemeClr val="tx1"/>
                 </a:solidFill>
@@ -30843,7 +30843,7 @@
               </a14:hiddenLine>
             </a:ext>
             <a:ext uri="{AF507438-7753-43e0-B8FC-AC1667EBCBE1}">
-              <a14:hiddenEffects xmlns="" xmlns:a14="http://schemas.microsoft.com/office/drawing/2010/main">
+              <a14:hiddenEffects xmlns:a14="http://schemas.microsoft.com/office/drawing/2010/main" xmlns="">
                 <a:effectLst>
                   <a:outerShdw dist="35921" dir="2700000" algn="ctr" rotWithShape="0">
                     <a:schemeClr val="bg2"/>
@@ -31184,7 +31184,7 @@
           <a:noFill/>
           <a:extLst>
             <a:ext uri="{909E8E84-426E-40dd-AFC4-6F175D3DCCD1}">
-              <a14:hiddenFill xmlns="" xmlns:a14="http://schemas.microsoft.com/office/drawing/2010/main">
+              <a14:hiddenFill xmlns:a14="http://schemas.microsoft.com/office/drawing/2010/main" xmlns="">
                 <a:solidFill>
                   <a:srgbClr val="FFFFFF"/>
                 </a:solidFill>
